--- a/doc/Talent5OpenPoseWeek4.pptx
+++ b/doc/Talent5OpenPoseWeek4.pptx
@@ -5,7 +5,7 @@
     <p:sldMasterId id="2147483648" r:id="rId1"/>
   </p:sldMasterIdLst>
   <p:notesMasterIdLst>
-    <p:notesMasterId r:id="rId17"/>
+    <p:notesMasterId r:id="rId19"/>
   </p:notesMasterIdLst>
   <p:sldIdLst>
     <p:sldId id="256" r:id="rId2"/>
@@ -19,10 +19,12 @@
     <p:sldId id="284" r:id="rId10"/>
     <p:sldId id="267" r:id="rId11"/>
     <p:sldId id="273" r:id="rId12"/>
-    <p:sldId id="287" r:id="rId13"/>
-    <p:sldId id="288" r:id="rId14"/>
-    <p:sldId id="283" r:id="rId15"/>
-    <p:sldId id="293" r:id="rId16"/>
+    <p:sldId id="295" r:id="rId13"/>
+    <p:sldId id="294" r:id="rId14"/>
+    <p:sldId id="287" r:id="rId15"/>
+    <p:sldId id="288" r:id="rId16"/>
+    <p:sldId id="283" r:id="rId17"/>
+    <p:sldId id="293" r:id="rId18"/>
   </p:sldIdLst>
   <p:sldSz cx="12192000" cy="6858000"/>
   <p:notesSz cx="6858000" cy="9144000"/>
@@ -5436,6 +5438,487 @@
 <file path=ppt/slides/slide12.xml><?xml version="1.0" encoding="utf-8"?>
 <p:sld xmlns:a="http://schemas.openxmlformats.org/drawingml/2006/main" xmlns:r="http://schemas.openxmlformats.org/officeDocument/2006/relationships" xmlns:p="http://schemas.openxmlformats.org/presentationml/2006/main">
   <p:cSld>
+    <p:spTree>
+      <p:nvGrpSpPr>
+        <p:cNvPr id="1" name=""/>
+        <p:cNvGrpSpPr/>
+        <p:nvPr/>
+      </p:nvGrpSpPr>
+      <p:grpSpPr>
+        <a:xfrm>
+          <a:off x="0" y="0"/>
+          <a:ext cx="0" cy="0"/>
+          <a:chOff x="0" y="0"/>
+          <a:chExt cx="0" cy="0"/>
+        </a:xfrm>
+      </p:grpSpPr>
+      <p:sp>
+        <p:nvSpPr>
+          <p:cNvPr id="2" name="タイトル 1">
+            <a:extLst>
+              <a:ext uri="{FF2B5EF4-FFF2-40B4-BE49-F238E27FC236}">
+                <a16:creationId xmlns:a16="http://schemas.microsoft.com/office/drawing/2014/main" id="{F90A807E-F3CF-4991-A85E-1485183AE624}"/>
+              </a:ext>
+            </a:extLst>
+          </p:cNvPr>
+          <p:cNvSpPr>
+            <a:spLocks noGrp="1"/>
+          </p:cNvSpPr>
+          <p:nvPr>
+            <p:ph type="title"/>
+          </p:nvPr>
+        </p:nvSpPr>
+        <p:spPr/>
+        <p:txBody>
+          <a:bodyPr/>
+          <a:lstStyle/>
+          <a:p>
+            <a:r>
+              <a:rPr kumimoji="1" lang="en-US" altLang="ja-JP" dirty="0" err="1"/>
+              <a:t>Góp</a:t>
+            </a:r>
+            <a:r>
+              <a:rPr kumimoji="1" lang="en-US" altLang="ja-JP" dirty="0"/>
+              <a:t> ý</a:t>
+            </a:r>
+            <a:endParaRPr kumimoji="1" lang="ja-JP" altLang="en-US" dirty="0"/>
+          </a:p>
+        </p:txBody>
+      </p:sp>
+      <p:sp>
+        <p:nvSpPr>
+          <p:cNvPr id="3" name="コンテンツ プレースホルダー 2">
+            <a:extLst>
+              <a:ext uri="{FF2B5EF4-FFF2-40B4-BE49-F238E27FC236}">
+                <a16:creationId xmlns:a16="http://schemas.microsoft.com/office/drawing/2014/main" id="{F68DB963-732A-4715-A789-A5E162D9E352}"/>
+              </a:ext>
+            </a:extLst>
+          </p:cNvPr>
+          <p:cNvSpPr>
+            <a:spLocks noGrp="1"/>
+          </p:cNvSpPr>
+          <p:nvPr>
+            <p:ph idx="1"/>
+          </p:nvPr>
+        </p:nvSpPr>
+        <p:spPr/>
+        <p:txBody>
+          <a:bodyPr/>
+          <a:lstStyle/>
+          <a:p>
+            <a:r>
+              <a:rPr kumimoji="1" lang="en-US" altLang="ja-JP" dirty="0" err="1"/>
+              <a:t>Thêm</a:t>
+            </a:r>
+            <a:r>
+              <a:rPr kumimoji="1" lang="en-US" altLang="ja-JP" dirty="0"/>
+              <a:t> </a:t>
+            </a:r>
+            <a:r>
+              <a:rPr kumimoji="1" lang="en-US" altLang="ja-JP" dirty="0" err="1"/>
+              <a:t>những</a:t>
+            </a:r>
+            <a:r>
+              <a:rPr kumimoji="1" lang="en-US" altLang="ja-JP" dirty="0"/>
+              <a:t> </a:t>
+            </a:r>
+            <a:r>
+              <a:rPr kumimoji="1" lang="en-US" altLang="ja-JP" dirty="0" err="1"/>
+              <a:t>phần</a:t>
+            </a:r>
+            <a:r>
+              <a:rPr kumimoji="1" lang="en-US" altLang="ja-JP" dirty="0"/>
+              <a:t> </a:t>
+            </a:r>
+            <a:r>
+              <a:rPr kumimoji="1" lang="en-US" altLang="ja-JP" dirty="0" err="1"/>
+              <a:t>giải</a:t>
+            </a:r>
+            <a:r>
+              <a:rPr kumimoji="1" lang="en-US" altLang="ja-JP" dirty="0"/>
+              <a:t> </a:t>
+            </a:r>
+            <a:r>
+              <a:rPr kumimoji="1" lang="en-US" altLang="ja-JP" dirty="0" err="1"/>
+              <a:t>thích</a:t>
+            </a:r>
+            <a:r>
+              <a:rPr kumimoji="1" lang="en-US" altLang="ja-JP" dirty="0"/>
+              <a:t> code</a:t>
+            </a:r>
+            <a:endParaRPr kumimoji="1" lang="ja-JP" altLang="en-US" dirty="0"/>
+          </a:p>
+        </p:txBody>
+      </p:sp>
+    </p:spTree>
+    <p:extLst>
+      <p:ext uri="{BB962C8B-B14F-4D97-AF65-F5344CB8AC3E}">
+        <p14:creationId xmlns:p14="http://schemas.microsoft.com/office/powerpoint/2010/main" val="2086262262"/>
+      </p:ext>
+    </p:extLst>
+  </p:cSld>
+  <p:clrMapOvr>
+    <a:masterClrMapping/>
+  </p:clrMapOvr>
+</p:sld>
+</file>
+
+<file path=ppt/slides/slide13.xml><?xml version="1.0" encoding="utf-8"?>
+<p:sld xmlns:a="http://schemas.openxmlformats.org/drawingml/2006/main" xmlns:r="http://schemas.openxmlformats.org/officeDocument/2006/relationships" xmlns:p="http://schemas.openxmlformats.org/presentationml/2006/main">
+  <p:cSld>
+    <p:spTree>
+      <p:nvGrpSpPr>
+        <p:cNvPr id="1" name=""/>
+        <p:cNvGrpSpPr/>
+        <p:nvPr/>
+      </p:nvGrpSpPr>
+      <p:grpSpPr>
+        <a:xfrm>
+          <a:off x="0" y="0"/>
+          <a:ext cx="0" cy="0"/>
+          <a:chOff x="0" y="0"/>
+          <a:chExt cx="0" cy="0"/>
+        </a:xfrm>
+      </p:grpSpPr>
+      <p:sp>
+        <p:nvSpPr>
+          <p:cNvPr id="2" name="タイトル 1">
+            <a:extLst>
+              <a:ext uri="{FF2B5EF4-FFF2-40B4-BE49-F238E27FC236}">
+                <a16:creationId xmlns:a16="http://schemas.microsoft.com/office/drawing/2014/main" id="{15813093-BCAD-4BC7-821C-A93E005F0AE6}"/>
+              </a:ext>
+            </a:extLst>
+          </p:cNvPr>
+          <p:cNvSpPr>
+            <a:spLocks noGrp="1"/>
+          </p:cNvSpPr>
+          <p:nvPr>
+            <p:ph type="title"/>
+          </p:nvPr>
+        </p:nvSpPr>
+        <p:spPr>
+          <a:xfrm>
+            <a:off x="0" y="0"/>
+            <a:ext cx="10515600" cy="669642"/>
+          </a:xfrm>
+        </p:spPr>
+        <p:txBody>
+          <a:bodyPr>
+            <a:normAutofit fontScale="90000"/>
+          </a:bodyPr>
+          <a:lstStyle/>
+          <a:p>
+            <a:r>
+              <a:rPr kumimoji="1" lang="en-US" altLang="ja-JP" dirty="0"/>
+              <a:t>Road Map</a:t>
+            </a:r>
+            <a:endParaRPr kumimoji="1" lang="ja-JP" altLang="en-US" dirty="0"/>
+          </a:p>
+        </p:txBody>
+      </p:sp>
+      <p:sp>
+        <p:nvSpPr>
+          <p:cNvPr id="3" name="コンテンツ プレースホルダー 2">
+            <a:extLst>
+              <a:ext uri="{FF2B5EF4-FFF2-40B4-BE49-F238E27FC236}">
+                <a16:creationId xmlns:a16="http://schemas.microsoft.com/office/drawing/2014/main" id="{D93CE8F2-21D9-4783-9BA2-B9726D8B6840}"/>
+              </a:ext>
+            </a:extLst>
+          </p:cNvPr>
+          <p:cNvSpPr>
+            <a:spLocks noGrp="1"/>
+          </p:cNvSpPr>
+          <p:nvPr>
+            <p:ph idx="1"/>
+          </p:nvPr>
+        </p:nvSpPr>
+        <p:spPr>
+          <a:xfrm>
+            <a:off x="460695" y="669642"/>
+            <a:ext cx="10515600" cy="4660033"/>
+          </a:xfrm>
+        </p:spPr>
+        <p:txBody>
+          <a:bodyPr>
+            <a:normAutofit fontScale="85000" lnSpcReduction="20000"/>
+          </a:bodyPr>
+          <a:lstStyle/>
+          <a:p>
+            <a:r>
+              <a:rPr kumimoji="1" lang="en-US" altLang="ja-JP" dirty="0" err="1"/>
+              <a:t>Phương</a:t>
+            </a:r>
+            <a:r>
+              <a:rPr kumimoji="1" lang="en-US" altLang="ja-JP" dirty="0"/>
+              <a:t> Nam</a:t>
+            </a:r>
+          </a:p>
+          <a:p>
+            <a:pPr lvl="1"/>
+            <a:r>
+              <a:rPr kumimoji="1" lang="en-US" altLang="ja-JP" dirty="0" err="1"/>
+              <a:t>Học</a:t>
+            </a:r>
+            <a:r>
+              <a:rPr kumimoji="1" lang="en-US" altLang="ja-JP" dirty="0"/>
+              <a:t> 6 </a:t>
+            </a:r>
+            <a:r>
+              <a:rPr kumimoji="1" lang="en-US" altLang="ja-JP" dirty="0" err="1"/>
+              <a:t>tháng</a:t>
+            </a:r>
+            <a:r>
+              <a:rPr lang="en-US" altLang="ja-JP" dirty="0"/>
+              <a:t>,</a:t>
+            </a:r>
+            <a:r>
+              <a:rPr lang="ja-JP" altLang="en-US" dirty="0"/>
+              <a:t> </a:t>
+            </a:r>
+            <a:r>
+              <a:rPr lang="en-US" altLang="ja-JP" dirty="0"/>
+              <a:t>2</a:t>
+            </a:r>
+            <a:r>
+              <a:rPr lang="ja-JP" altLang="en-US" dirty="0"/>
+              <a:t> </a:t>
+            </a:r>
+            <a:r>
+              <a:rPr lang="en-US" altLang="ja-JP" dirty="0" err="1"/>
+              <a:t>khóa</a:t>
+            </a:r>
+            <a:endParaRPr lang="en-US" altLang="ja-JP" dirty="0"/>
+          </a:p>
+          <a:p>
+            <a:pPr lvl="2"/>
+            <a:r>
+              <a:rPr lang="en-US" altLang="ja-JP" dirty="0"/>
+              <a:t>Coursera</a:t>
+            </a:r>
+          </a:p>
+          <a:p>
+            <a:pPr lvl="1"/>
+            <a:r>
+              <a:rPr kumimoji="1" lang="en-US" altLang="ja-JP" dirty="0" err="1"/>
+              <a:t>Học</a:t>
+            </a:r>
+            <a:r>
+              <a:rPr kumimoji="1" lang="en-US" altLang="ja-JP" dirty="0"/>
+              <a:t> ở </a:t>
+            </a:r>
+            <a:r>
+              <a:rPr kumimoji="1" lang="en-US" altLang="ja-JP" dirty="0" err="1"/>
+              <a:t>trên</a:t>
+            </a:r>
+            <a:r>
+              <a:rPr kumimoji="1" lang="en-US" altLang="ja-JP" dirty="0"/>
+              <a:t> ai4u</a:t>
+            </a:r>
+          </a:p>
+          <a:p>
+            <a:pPr lvl="1"/>
+            <a:r>
+              <a:rPr kumimoji="1" lang="en-US" altLang="ja-JP" dirty="0"/>
+              <a:t>Tensor flow </a:t>
+            </a:r>
+          </a:p>
+          <a:p>
+            <a:pPr lvl="1"/>
+            <a:r>
+              <a:rPr lang="en-US" altLang="ja-JP" dirty="0"/>
+              <a:t>Model: computer vision</a:t>
+            </a:r>
+          </a:p>
+          <a:p>
+            <a:pPr lvl="2"/>
+            <a:r>
+              <a:rPr kumimoji="1" lang="en-US" altLang="ja-JP" dirty="0"/>
+              <a:t>Detect</a:t>
+            </a:r>
+          </a:p>
+          <a:p>
+            <a:r>
+              <a:rPr lang="en-US" altLang="ja-JP" dirty="0" err="1"/>
+              <a:t>Trần</a:t>
+            </a:r>
+            <a:r>
+              <a:rPr lang="en-US" altLang="ja-JP" dirty="0"/>
+              <a:t> Sang</a:t>
+            </a:r>
+          </a:p>
+          <a:p>
+            <a:pPr lvl="1"/>
+            <a:r>
+              <a:rPr kumimoji="1" lang="en-US" altLang="ja-JP" dirty="0" err="1"/>
+              <a:t>K</a:t>
+            </a:r>
+            <a:r>
+              <a:rPr lang="en-US" altLang="ja-JP" dirty="0" err="1"/>
+              <a:t>ỹ</a:t>
+            </a:r>
+            <a:r>
+              <a:rPr lang="en-US" altLang="ja-JP" dirty="0"/>
+              <a:t> </a:t>
+            </a:r>
+            <a:r>
+              <a:rPr lang="en-US" altLang="ja-JP" dirty="0" err="1"/>
+              <a:t>sư</a:t>
+            </a:r>
+            <a:r>
+              <a:rPr lang="en-US" altLang="ja-JP" dirty="0"/>
+              <a:t> 5G Viettel</a:t>
+            </a:r>
+          </a:p>
+          <a:p>
+            <a:pPr lvl="1"/>
+            <a:r>
+              <a:rPr lang="en-US" altLang="ja-JP" dirty="0" err="1"/>
+              <a:t>Đã</a:t>
+            </a:r>
+            <a:r>
+              <a:rPr lang="en-US" altLang="ja-JP" dirty="0"/>
+              <a:t> </a:t>
+            </a:r>
+            <a:r>
+              <a:rPr lang="en-US" altLang="ja-JP" dirty="0" err="1"/>
+              <a:t>học</a:t>
+            </a:r>
+            <a:r>
+              <a:rPr lang="en-US" altLang="ja-JP" dirty="0"/>
+              <a:t> 2 </a:t>
+            </a:r>
+            <a:r>
+              <a:rPr lang="en-US" altLang="ja-JP" dirty="0" err="1"/>
+              <a:t>tháng</a:t>
+            </a:r>
+            <a:r>
+              <a:rPr lang="en-US" altLang="ja-JP" dirty="0"/>
+              <a:t> </a:t>
+            </a:r>
+            <a:r>
+              <a:rPr lang="en-US" altLang="ja-JP" dirty="0" err="1"/>
+              <a:t>về</a:t>
+            </a:r>
+            <a:r>
+              <a:rPr lang="en-US" altLang="ja-JP" dirty="0"/>
+              <a:t> AI</a:t>
+            </a:r>
+          </a:p>
+          <a:p>
+            <a:pPr lvl="2"/>
+            <a:r>
+              <a:rPr lang="en-US" altLang="ja-JP" dirty="0" err="1"/>
+              <a:t>Xử</a:t>
+            </a:r>
+            <a:r>
+              <a:rPr lang="en-US" altLang="ja-JP" dirty="0"/>
+              <a:t> </a:t>
+            </a:r>
+            <a:r>
+              <a:rPr lang="en-US" altLang="ja-JP" dirty="0" err="1"/>
+              <a:t>lý</a:t>
+            </a:r>
+            <a:r>
+              <a:rPr lang="en-US" altLang="ja-JP" dirty="0"/>
+              <a:t> </a:t>
+            </a:r>
+            <a:r>
+              <a:rPr lang="en-US" altLang="ja-JP" dirty="0" err="1"/>
+              <a:t>ngôn</a:t>
+            </a:r>
+            <a:r>
+              <a:rPr lang="en-US" altLang="ja-JP" dirty="0"/>
+              <a:t> </a:t>
+            </a:r>
+            <a:r>
+              <a:rPr lang="en-US" altLang="ja-JP" dirty="0" err="1"/>
+              <a:t>ngữ</a:t>
+            </a:r>
+            <a:endParaRPr lang="en-US" altLang="ja-JP" dirty="0"/>
+          </a:p>
+          <a:p>
+            <a:pPr lvl="2"/>
+            <a:r>
+              <a:rPr lang="en-US" altLang="ja-JP" dirty="0"/>
+              <a:t>Machine learning, deep learning</a:t>
+            </a:r>
+          </a:p>
+          <a:p>
+            <a:pPr lvl="2"/>
+            <a:r>
+              <a:rPr lang="en-US" altLang="ja-JP" dirty="0"/>
+              <a:t>Coursera:</a:t>
+            </a:r>
+          </a:p>
+          <a:p>
+            <a:pPr lvl="2"/>
+            <a:r>
+              <a:rPr lang="en-US" altLang="ja-JP" dirty="0"/>
+              <a:t>Machine learning: </a:t>
+            </a:r>
+            <a:r>
+              <a:rPr lang="en-US" altLang="ja-JP" dirty="0" err="1"/>
+              <a:t>Vũ</a:t>
+            </a:r>
+            <a:r>
+              <a:rPr lang="en-US" altLang="ja-JP" dirty="0"/>
+              <a:t> </a:t>
+            </a:r>
+            <a:r>
+              <a:rPr lang="en-US" altLang="ja-JP" dirty="0" err="1"/>
+              <a:t>hữu</a:t>
+            </a:r>
+            <a:r>
+              <a:rPr lang="en-US" altLang="ja-JP" dirty="0"/>
+              <a:t> </a:t>
+            </a:r>
+            <a:r>
+              <a:rPr lang="en-US" altLang="ja-JP" dirty="0" err="1"/>
+              <a:t>tiệp</a:t>
+            </a:r>
+            <a:endParaRPr lang="en-US" altLang="ja-JP" dirty="0"/>
+          </a:p>
+          <a:p>
+            <a:pPr lvl="3"/>
+            <a:r>
+              <a:rPr lang="en-US" altLang="ja-JP" dirty="0"/>
+              <a:t>https://machinelearningcoban.com</a:t>
+            </a:r>
+          </a:p>
+          <a:p>
+            <a:pPr lvl="2"/>
+            <a:r>
+              <a:rPr lang="en-US" altLang="ja-JP" dirty="0" err="1"/>
+              <a:t>Kmeans</a:t>
+            </a:r>
+            <a:endParaRPr lang="en-US" altLang="ja-JP"/>
+          </a:p>
+          <a:p>
+            <a:pPr lvl="3"/>
+            <a:endParaRPr lang="en-US" altLang="ja-JP" dirty="0"/>
+          </a:p>
+          <a:p>
+            <a:pPr lvl="3"/>
+            <a:endParaRPr lang="en-US" altLang="ja-JP" dirty="0"/>
+          </a:p>
+        </p:txBody>
+      </p:sp>
+    </p:spTree>
+    <p:extLst>
+      <p:ext uri="{BB962C8B-B14F-4D97-AF65-F5344CB8AC3E}">
+        <p14:creationId xmlns:p14="http://schemas.microsoft.com/office/powerpoint/2010/main" val="3257858884"/>
+      </p:ext>
+    </p:extLst>
+  </p:cSld>
+  <p:clrMapOvr>
+    <a:masterClrMapping/>
+  </p:clrMapOvr>
+</p:sld>
+</file>
+
+<file path=ppt/slides/slide14.xml><?xml version="1.0" encoding="utf-8"?>
+<p:sld xmlns:a="http://schemas.openxmlformats.org/drawingml/2006/main" xmlns:r="http://schemas.openxmlformats.org/officeDocument/2006/relationships" xmlns:p="http://schemas.openxmlformats.org/presentationml/2006/main">
+  <p:cSld>
     <p:bg>
       <p:bgPr>
         <a:solidFill>
@@ -6011,7 +6494,7 @@
 </p:sld>
 </file>
 
-<file path=ppt/slides/slide13.xml><?xml version="1.0" encoding="utf-8"?>
+<file path=ppt/slides/slide15.xml><?xml version="1.0" encoding="utf-8"?>
 <p:sld xmlns:a="http://schemas.openxmlformats.org/drawingml/2006/main" xmlns:r="http://schemas.openxmlformats.org/officeDocument/2006/relationships" xmlns:p="http://schemas.openxmlformats.org/presentationml/2006/main">
   <p:cSld>
     <p:spTree>
@@ -6560,7 +7043,7 @@
 </p:sld>
 </file>
 
-<file path=ppt/slides/slide14.xml><?xml version="1.0" encoding="utf-8"?>
+<file path=ppt/slides/slide16.xml><?xml version="1.0" encoding="utf-8"?>
 <p:sld xmlns:a="http://schemas.openxmlformats.org/drawingml/2006/main" xmlns:r="http://schemas.openxmlformats.org/officeDocument/2006/relationships" xmlns:p="http://schemas.openxmlformats.org/presentationml/2006/main">
   <p:cSld>
     <p:spTree>
@@ -7064,7 +7547,7 @@
 </p:sld>
 </file>
 
-<file path=ppt/slides/slide15.xml><?xml version="1.0" encoding="utf-8"?>
+<file path=ppt/slides/slide17.xml><?xml version="1.0" encoding="utf-8"?>
 <p:sld xmlns:a="http://schemas.openxmlformats.org/drawingml/2006/main" xmlns:r="http://schemas.openxmlformats.org/officeDocument/2006/relationships" xmlns:p="http://schemas.openxmlformats.org/presentationml/2006/main">
   <p:cSld>
     <p:spTree>
@@ -7484,7 +7967,7 @@
         </p:blipFill>
         <p:spPr>
           <a:xfrm>
-            <a:off x="976361" y="1690688"/>
+            <a:off x="976361" y="1531298"/>
             <a:ext cx="5753903" cy="3419952"/>
           </a:xfrm>
           <a:prstGeom prst="rect">
@@ -7492,6 +7975,83 @@
           </a:prstGeom>
         </p:spPr>
       </p:pic>
+      <p:sp>
+        <p:nvSpPr>
+          <p:cNvPr id="3" name="吹き出し: 角を丸めた四角形 2">
+            <a:extLst>
+              <a:ext uri="{FF2B5EF4-FFF2-40B4-BE49-F238E27FC236}">
+                <a16:creationId xmlns:a16="http://schemas.microsoft.com/office/drawing/2014/main" id="{8D36BDE5-5A82-4A25-857E-9467D5933783}"/>
+              </a:ext>
+            </a:extLst>
+          </p:cNvPr>
+          <p:cNvSpPr/>
+          <p:nvPr/>
+        </p:nvSpPr>
+        <p:spPr>
+          <a:xfrm>
+            <a:off x="5972961" y="1690688"/>
+            <a:ext cx="4295164" cy="1325563"/>
+          </a:xfrm>
+          <a:prstGeom prst="wedgeRoundRectCallout">
+            <a:avLst>
+              <a:gd name="adj1" fmla="val -103622"/>
+              <a:gd name="adj2" fmla="val 12400"/>
+              <a:gd name="adj3" fmla="val 16667"/>
+            </a:avLst>
+          </a:prstGeom>
+        </p:spPr>
+        <p:style>
+          <a:lnRef idx="2">
+            <a:schemeClr val="accent1">
+              <a:shade val="50000"/>
+            </a:schemeClr>
+          </a:lnRef>
+          <a:fillRef idx="1">
+            <a:schemeClr val="accent1"/>
+          </a:fillRef>
+          <a:effectRef idx="0">
+            <a:schemeClr val="accent1"/>
+          </a:effectRef>
+          <a:fontRef idx="minor">
+            <a:schemeClr val="lt1"/>
+          </a:fontRef>
+        </p:style>
+        <p:txBody>
+          <a:bodyPr rtlCol="0" anchor="ctr"/>
+          <a:lstStyle/>
+          <a:p>
+            <a:pPr algn="ctr"/>
+            <a:r>
+              <a:rPr kumimoji="1" lang="en-US" altLang="ja-JP" dirty="0"/>
+              <a:t>1 </a:t>
+            </a:r>
+            <a:r>
+              <a:rPr kumimoji="1" lang="en-US" altLang="ja-JP" dirty="0" err="1"/>
+              <a:t>ảnh</a:t>
+            </a:r>
+            <a:r>
+              <a:rPr kumimoji="1" lang="en-US" altLang="ja-JP" dirty="0"/>
+              <a:t>: 1920 * 1080 * 3 * 8= 24MB</a:t>
+            </a:r>
+          </a:p>
+          <a:p>
+            <a:pPr algn="ctr"/>
+            <a:r>
+              <a:rPr lang="en-US" altLang="ja-JP" dirty="0"/>
+              <a:t>96 </a:t>
+            </a:r>
+            <a:r>
+              <a:rPr lang="en-US" altLang="ja-JP" dirty="0" err="1"/>
+              <a:t>ảnh</a:t>
+            </a:r>
+            <a:r>
+              <a:rPr lang="en-US" altLang="ja-JP" dirty="0"/>
+              <a:t>: 24 * 100 ~2.4G Ram</a:t>
+            </a:r>
+            <a:endParaRPr kumimoji="1" lang="ja-JP" altLang="en-US" dirty="0"/>
+          </a:p>
+        </p:txBody>
+      </p:sp>
     </p:spTree>
     <p:extLst>
       <p:ext uri="{BB962C8B-B14F-4D97-AF65-F5344CB8AC3E}">

--- a/doc/Talent5OpenPoseWeek4.pptx
+++ b/doc/Talent5OpenPoseWeek4.pptx
@@ -5891,7 +5891,7 @@
               <a:rPr lang="en-US" altLang="ja-JP" dirty="0" err="1"/>
               <a:t>Kmeans</a:t>
             </a:r>
-            <a:endParaRPr lang="en-US" altLang="ja-JP"/>
+            <a:endParaRPr lang="en-US" altLang="ja-JP" dirty="0"/>
           </a:p>
           <a:p>
             <a:pPr lvl="3"/>
